--- a/文書品質モデルエクセルファイルの整形.pptx
+++ b/文書品質モデルエクセルファイルの整形.pptx
@@ -150,6 +150,11 @@
       </a:defRPr>
     </a:lvl9pPr>
   </p:defaultTextStyle>
+  <p:extLst>
+    <p:ext uri="{EFAFB233-063F-42B5-8137-9DF3F51BA10A}">
+      <p15:sldGuideLst xmlns:p15="http://schemas.microsoft.com/office/powerpoint/2012/main"/>
+    </p:ext>
+  </p:extLst>
 </p:presentation>
 </file>
 
@@ -3942,6 +3947,58 @@
             <a:r>
               <a:rPr lang="ja-JP" altLang="en-US" sz="1600" dirty="0"/>
               <a:t>）</a:t>
+            </a:r>
+            <a:endParaRPr lang="en-US" altLang="ja-JP" sz="1600" dirty="0"/>
+          </a:p>
+          <a:p>
+            <a:pPr lvl="1"/>
+            <a:endParaRPr lang="en-US" altLang="ja-JP" sz="1600" dirty="0"/>
+          </a:p>
+          <a:p>
+            <a:pPr lvl="1"/>
+            <a:endParaRPr lang="en-US" altLang="ja-JP" sz="1600" dirty="0"/>
+          </a:p>
+          <a:p>
+            <a:pPr lvl="1"/>
+            <a:endParaRPr lang="en-US" altLang="ja-JP" sz="1600" dirty="0"/>
+          </a:p>
+          <a:p>
+            <a:pPr lvl="1"/>
+            <a:endParaRPr lang="en-US" altLang="ja-JP" sz="1600" dirty="0"/>
+          </a:p>
+          <a:p>
+            <a:pPr lvl="1"/>
+            <a:r>
+              <a:rPr lang="ja-JP" altLang="en-US" sz="1600" dirty="0"/>
+              <a:t>モデル表の外の領域（</a:t>
+            </a:r>
+            <a:r>
+              <a:rPr lang="en-US" altLang="ja-JP" sz="1600" dirty="0"/>
+              <a:t>H</a:t>
+            </a:r>
+            <a:r>
+              <a:rPr lang="ja-JP" altLang="en-US" sz="1600" dirty="0"/>
+              <a:t>列以降と</a:t>
+            </a:r>
+            <a:r>
+              <a:rPr lang="en-US" altLang="ja-JP" sz="1600" dirty="0"/>
+              <a:t>73</a:t>
+            </a:r>
+            <a:r>
+              <a:rPr lang="ja-JP" altLang="en-US" sz="1600" dirty="0"/>
+              <a:t>行目以降）を削除</a:t>
+            </a:r>
+            <a:r>
+              <a:rPr lang="ja-JP" altLang="en-US" sz="1600"/>
+              <a:t>する。複数</a:t>
+            </a:r>
+            <a:r>
+              <a:rPr lang="ja-JP" altLang="en-US" sz="1600" dirty="0"/>
+              <a:t>セルに空白が</a:t>
+            </a:r>
+            <a:r>
+              <a:rPr lang="ja-JP" altLang="en-US" sz="1600"/>
+              <a:t>入っているので、それを削除する</a:t>
             </a:r>
             <a:endParaRPr lang="en-US" altLang="ja-JP" sz="1600" dirty="0"/>
           </a:p>
